--- a/presentation.pptx
+++ b/presentation.pptx
@@ -2,10 +2,15 @@
 <file path=ppt/presentation.xml><?xml version="1.0" encoding="utf-8"?>
 <p:presentation xmlns:a="http://schemas.openxmlformats.org/drawingml/2006/main" xmlns:r="http://schemas.openxmlformats.org/officeDocument/2006/relationships" xmlns:p="http://schemas.openxmlformats.org/presentationml/2006/main" saveSubsetFonts="1">
   <p:sldMasterIdLst>
-    <p:sldMasterId id="2147483672" r:id="rId1"/>
+    <p:sldMasterId id="2147483774" r:id="rId1"/>
   </p:sldMasterIdLst>
+  <p:notesMasterIdLst>
+    <p:notesMasterId r:id="rId5"/>
+  </p:notesMasterIdLst>
   <p:sldIdLst>
     <p:sldId id="256" r:id="rId2"/>
+    <p:sldId id="269" r:id="rId3"/>
+    <p:sldId id="270" r:id="rId4"/>
   </p:sldIdLst>
   <p:sldSz cx="12192000" cy="6858000"/>
   <p:notesSz cx="6858000" cy="9144000"/>
@@ -104,7 +109,362 @@
       </a:defRPr>
     </a:lvl9pPr>
   </p:defaultTextStyle>
+  <p:extLst>
+    <p:ext uri="{EFAFB233-063F-42B5-8137-9DF3F51BA10A}">
+      <p15:sldGuideLst xmlns:p15="http://schemas.microsoft.com/office/powerpoint/2012/main"/>
+    </p:ext>
+  </p:extLst>
 </p:presentation>
+</file>
+
+<file path=ppt/notesMasters/notesMaster1.xml><?xml version="1.0" encoding="utf-8"?>
+<p:notesMaster xmlns:a="http://schemas.openxmlformats.org/drawingml/2006/main" xmlns:r="http://schemas.openxmlformats.org/officeDocument/2006/relationships" xmlns:p="http://schemas.openxmlformats.org/presentationml/2006/main">
+  <p:cSld>
+    <p:bg>
+      <p:bgRef idx="1001">
+        <a:schemeClr val="bg1"/>
+      </p:bgRef>
+    </p:bg>
+    <p:spTree>
+      <p:nvGrpSpPr>
+        <p:cNvPr id="1" name=""/>
+        <p:cNvGrpSpPr/>
+        <p:nvPr/>
+      </p:nvGrpSpPr>
+      <p:grpSpPr>
+        <a:xfrm>
+          <a:off x="0" y="0"/>
+          <a:ext cx="0" cy="0"/>
+          <a:chOff x="0" y="0"/>
+          <a:chExt cx="0" cy="0"/>
+        </a:xfrm>
+      </p:grpSpPr>
+      <p:sp>
+        <p:nvSpPr>
+          <p:cNvPr id="2" name="Header Placeholder 1"/>
+          <p:cNvSpPr>
+            <a:spLocks noGrp="1"/>
+          </p:cNvSpPr>
+          <p:nvPr>
+            <p:ph type="hdr" sz="quarter"/>
+          </p:nvPr>
+        </p:nvSpPr>
+        <p:spPr>
+          <a:xfrm>
+            <a:off x="0" y="0"/>
+            <a:ext cx="2971800" cy="458788"/>
+          </a:xfrm>
+          <a:prstGeom prst="rect">
+            <a:avLst/>
+          </a:prstGeom>
+        </p:spPr>
+        <p:txBody>
+          <a:bodyPr vert="horz" lIns="91440" tIns="45720" rIns="91440" bIns="45720" rtlCol="0"/>
+          <a:lstStyle>
+            <a:lvl1pPr algn="l">
+              <a:defRPr sz="1200"/>
+            </a:lvl1pPr>
+          </a:lstStyle>
+          <a:p>
+            <a:endParaRPr lang="en-CA"/>
+          </a:p>
+        </p:txBody>
+      </p:sp>
+      <p:sp>
+        <p:nvSpPr>
+          <p:cNvPr id="3" name="Date Placeholder 2"/>
+          <p:cNvSpPr>
+            <a:spLocks noGrp="1"/>
+          </p:cNvSpPr>
+          <p:nvPr>
+            <p:ph type="dt" idx="1"/>
+          </p:nvPr>
+        </p:nvSpPr>
+        <p:spPr>
+          <a:xfrm>
+            <a:off x="3884613" y="0"/>
+            <a:ext cx="2971800" cy="458788"/>
+          </a:xfrm>
+          <a:prstGeom prst="rect">
+            <a:avLst/>
+          </a:prstGeom>
+        </p:spPr>
+        <p:txBody>
+          <a:bodyPr vert="horz" lIns="91440" tIns="45720" rIns="91440" bIns="45720" rtlCol="0"/>
+          <a:lstStyle>
+            <a:lvl1pPr algn="r">
+              <a:defRPr sz="1200"/>
+            </a:lvl1pPr>
+          </a:lstStyle>
+          <a:p>
+            <a:fld id="{4B8A3886-BDAA-4F0D-95D5-53783887F201}" type="datetimeFigureOut">
+              <a:rPr lang="en-CA" smtClean="0"/>
+              <a:t>2021-04-17</a:t>
+            </a:fld>
+            <a:endParaRPr lang="en-CA"/>
+          </a:p>
+        </p:txBody>
+      </p:sp>
+      <p:sp>
+        <p:nvSpPr>
+          <p:cNvPr id="4" name="Slide Image Placeholder 3"/>
+          <p:cNvSpPr>
+            <a:spLocks noGrp="1" noRot="1" noChangeAspect="1"/>
+          </p:cNvSpPr>
+          <p:nvPr>
+            <p:ph type="sldImg" idx="2"/>
+          </p:nvPr>
+        </p:nvSpPr>
+        <p:spPr>
+          <a:xfrm>
+            <a:off x="685800" y="1143000"/>
+            <a:ext cx="5486400" cy="3086100"/>
+          </a:xfrm>
+          <a:prstGeom prst="rect">
+            <a:avLst/>
+          </a:prstGeom>
+          <a:noFill/>
+          <a:ln w="12700">
+            <a:solidFill>
+              <a:prstClr val="black"/>
+            </a:solidFill>
+          </a:ln>
+        </p:spPr>
+        <p:txBody>
+          <a:bodyPr vert="horz" lIns="91440" tIns="45720" rIns="91440" bIns="45720" rtlCol="0" anchor="ctr"/>
+          <a:lstStyle/>
+          <a:p>
+            <a:endParaRPr lang="en-CA"/>
+          </a:p>
+        </p:txBody>
+      </p:sp>
+      <p:sp>
+        <p:nvSpPr>
+          <p:cNvPr id="5" name="Notes Placeholder 4"/>
+          <p:cNvSpPr>
+            <a:spLocks noGrp="1"/>
+          </p:cNvSpPr>
+          <p:nvPr>
+            <p:ph type="body" sz="quarter" idx="3"/>
+          </p:nvPr>
+        </p:nvSpPr>
+        <p:spPr>
+          <a:xfrm>
+            <a:off x="685800" y="4400550"/>
+            <a:ext cx="5486400" cy="3600450"/>
+          </a:xfrm>
+          <a:prstGeom prst="rect">
+            <a:avLst/>
+          </a:prstGeom>
+        </p:spPr>
+        <p:txBody>
+          <a:bodyPr vert="horz" lIns="91440" tIns="45720" rIns="91440" bIns="45720" rtlCol="0"/>
+          <a:lstStyle/>
+          <a:p>
+            <a:pPr lvl="0"/>
+            <a:r>
+              <a:rPr lang="en-US"/>
+              <a:t>Click to edit Master text styles</a:t>
+            </a:r>
+          </a:p>
+          <a:p>
+            <a:pPr lvl="1"/>
+            <a:r>
+              <a:rPr lang="en-US"/>
+              <a:t>Second level</a:t>
+            </a:r>
+          </a:p>
+          <a:p>
+            <a:pPr lvl="2"/>
+            <a:r>
+              <a:rPr lang="en-US"/>
+              <a:t>Third level</a:t>
+            </a:r>
+          </a:p>
+          <a:p>
+            <a:pPr lvl="3"/>
+            <a:r>
+              <a:rPr lang="en-US"/>
+              <a:t>Fourth level</a:t>
+            </a:r>
+          </a:p>
+          <a:p>
+            <a:pPr lvl="4"/>
+            <a:r>
+              <a:rPr lang="en-US"/>
+              <a:t>Fifth level</a:t>
+            </a:r>
+            <a:endParaRPr lang="en-CA"/>
+          </a:p>
+        </p:txBody>
+      </p:sp>
+      <p:sp>
+        <p:nvSpPr>
+          <p:cNvPr id="6" name="Footer Placeholder 5"/>
+          <p:cNvSpPr>
+            <a:spLocks noGrp="1"/>
+          </p:cNvSpPr>
+          <p:nvPr>
+            <p:ph type="ftr" sz="quarter" idx="4"/>
+          </p:nvPr>
+        </p:nvSpPr>
+        <p:spPr>
+          <a:xfrm>
+            <a:off x="0" y="8685213"/>
+            <a:ext cx="2971800" cy="458787"/>
+          </a:xfrm>
+          <a:prstGeom prst="rect">
+            <a:avLst/>
+          </a:prstGeom>
+        </p:spPr>
+        <p:txBody>
+          <a:bodyPr vert="horz" lIns="91440" tIns="45720" rIns="91440" bIns="45720" rtlCol="0" anchor="b"/>
+          <a:lstStyle>
+            <a:lvl1pPr algn="l">
+              <a:defRPr sz="1200"/>
+            </a:lvl1pPr>
+          </a:lstStyle>
+          <a:p>
+            <a:endParaRPr lang="en-CA"/>
+          </a:p>
+        </p:txBody>
+      </p:sp>
+      <p:sp>
+        <p:nvSpPr>
+          <p:cNvPr id="7" name="Slide Number Placeholder 6"/>
+          <p:cNvSpPr>
+            <a:spLocks noGrp="1"/>
+          </p:cNvSpPr>
+          <p:nvPr>
+            <p:ph type="sldNum" sz="quarter" idx="5"/>
+          </p:nvPr>
+        </p:nvSpPr>
+        <p:spPr>
+          <a:xfrm>
+            <a:off x="3884613" y="8685213"/>
+            <a:ext cx="2971800" cy="458787"/>
+          </a:xfrm>
+          <a:prstGeom prst="rect">
+            <a:avLst/>
+          </a:prstGeom>
+        </p:spPr>
+        <p:txBody>
+          <a:bodyPr vert="horz" lIns="91440" tIns="45720" rIns="91440" bIns="45720" rtlCol="0" anchor="b"/>
+          <a:lstStyle>
+            <a:lvl1pPr algn="r">
+              <a:defRPr sz="1200"/>
+            </a:lvl1pPr>
+          </a:lstStyle>
+          <a:p>
+            <a:fld id="{BBD473C6-6F21-4C72-8C22-5D1101BCE575}" type="slidenum">
+              <a:rPr lang="en-CA" smtClean="0"/>
+              <a:t>‹#›</a:t>
+            </a:fld>
+            <a:endParaRPr lang="en-CA"/>
+          </a:p>
+        </p:txBody>
+      </p:sp>
+    </p:spTree>
+    <p:extLst>
+      <p:ext uri="{BB962C8B-B14F-4D97-AF65-F5344CB8AC3E}">
+        <p14:creationId xmlns:p14="http://schemas.microsoft.com/office/powerpoint/2010/main" val="449856893"/>
+      </p:ext>
+    </p:extLst>
+  </p:cSld>
+  <p:clrMap bg1="lt1" tx1="dk1" bg2="lt2" tx2="dk2" accent1="accent1" accent2="accent2" accent3="accent3" accent4="accent4" accent5="accent5" accent6="accent6" hlink="hlink" folHlink="folHlink"/>
+  <p:notesStyle>
+    <a:lvl1pPr marL="0" algn="l" defTabSz="914400" rtl="0" eaLnBrk="1" latinLnBrk="0" hangingPunct="1">
+      <a:defRPr sz="1200" kern="1200">
+        <a:solidFill>
+          <a:schemeClr val="tx1"/>
+        </a:solidFill>
+        <a:latin typeface="+mn-lt"/>
+        <a:ea typeface="+mn-ea"/>
+        <a:cs typeface="+mn-cs"/>
+      </a:defRPr>
+    </a:lvl1pPr>
+    <a:lvl2pPr marL="457200" algn="l" defTabSz="914400" rtl="0" eaLnBrk="1" latinLnBrk="0" hangingPunct="1">
+      <a:defRPr sz="1200" kern="1200">
+        <a:solidFill>
+          <a:schemeClr val="tx1"/>
+        </a:solidFill>
+        <a:latin typeface="+mn-lt"/>
+        <a:ea typeface="+mn-ea"/>
+        <a:cs typeface="+mn-cs"/>
+      </a:defRPr>
+    </a:lvl2pPr>
+    <a:lvl3pPr marL="914400" algn="l" defTabSz="914400" rtl="0" eaLnBrk="1" latinLnBrk="0" hangingPunct="1">
+      <a:defRPr sz="1200" kern="1200">
+        <a:solidFill>
+          <a:schemeClr val="tx1"/>
+        </a:solidFill>
+        <a:latin typeface="+mn-lt"/>
+        <a:ea typeface="+mn-ea"/>
+        <a:cs typeface="+mn-cs"/>
+      </a:defRPr>
+    </a:lvl3pPr>
+    <a:lvl4pPr marL="1371600" algn="l" defTabSz="914400" rtl="0" eaLnBrk="1" latinLnBrk="0" hangingPunct="1">
+      <a:defRPr sz="1200" kern="1200">
+        <a:solidFill>
+          <a:schemeClr val="tx1"/>
+        </a:solidFill>
+        <a:latin typeface="+mn-lt"/>
+        <a:ea typeface="+mn-ea"/>
+        <a:cs typeface="+mn-cs"/>
+      </a:defRPr>
+    </a:lvl4pPr>
+    <a:lvl5pPr marL="1828800" algn="l" defTabSz="914400" rtl="0" eaLnBrk="1" latinLnBrk="0" hangingPunct="1">
+      <a:defRPr sz="1200" kern="1200">
+        <a:solidFill>
+          <a:schemeClr val="tx1"/>
+        </a:solidFill>
+        <a:latin typeface="+mn-lt"/>
+        <a:ea typeface="+mn-ea"/>
+        <a:cs typeface="+mn-cs"/>
+      </a:defRPr>
+    </a:lvl5pPr>
+    <a:lvl6pPr marL="2286000" algn="l" defTabSz="914400" rtl="0" eaLnBrk="1" latinLnBrk="0" hangingPunct="1">
+      <a:defRPr sz="1200" kern="1200">
+        <a:solidFill>
+          <a:schemeClr val="tx1"/>
+        </a:solidFill>
+        <a:latin typeface="+mn-lt"/>
+        <a:ea typeface="+mn-ea"/>
+        <a:cs typeface="+mn-cs"/>
+      </a:defRPr>
+    </a:lvl6pPr>
+    <a:lvl7pPr marL="2743200" algn="l" defTabSz="914400" rtl="0" eaLnBrk="1" latinLnBrk="0" hangingPunct="1">
+      <a:defRPr sz="1200" kern="1200">
+        <a:solidFill>
+          <a:schemeClr val="tx1"/>
+        </a:solidFill>
+        <a:latin typeface="+mn-lt"/>
+        <a:ea typeface="+mn-ea"/>
+        <a:cs typeface="+mn-cs"/>
+      </a:defRPr>
+    </a:lvl7pPr>
+    <a:lvl8pPr marL="3200400" algn="l" defTabSz="914400" rtl="0" eaLnBrk="1" latinLnBrk="0" hangingPunct="1">
+      <a:defRPr sz="1200" kern="1200">
+        <a:solidFill>
+          <a:schemeClr val="tx1"/>
+        </a:solidFill>
+        <a:latin typeface="+mn-lt"/>
+        <a:ea typeface="+mn-ea"/>
+        <a:cs typeface="+mn-cs"/>
+      </a:defRPr>
+    </a:lvl8pPr>
+    <a:lvl9pPr marL="3657600" algn="l" defTabSz="914400" rtl="0" eaLnBrk="1" latinLnBrk="0" hangingPunct="1">
+      <a:defRPr sz="1200" kern="1200">
+        <a:solidFill>
+          <a:schemeClr val="tx1"/>
+        </a:solidFill>
+        <a:latin typeface="+mn-lt"/>
+        <a:ea typeface="+mn-ea"/>
+        <a:cs typeface="+mn-cs"/>
+      </a:defRPr>
+    </a:lvl9pPr>
+  </p:notesStyle>
+</p:notesMaster>
 </file>
 
 <file path=ppt/slideLayouts/slideLayout1.xml><?xml version="1.0" encoding="utf-8"?>
@@ -237,7 +597,7 @@
           </a:lstStyle>
           <a:p>
             <a:r>
-              <a:rPr lang="en-US" smtClean="0"/>
+              <a:rPr lang="en-US"/>
               <a:t>Click to edit Master title style</a:t>
             </a:r>
             <a:endParaRPr lang="en-US" dirty="0"/>
@@ -256,7 +616,7 @@
         </p:nvSpPr>
         <p:spPr>
           <a:xfrm>
-            <a:off x="1100051" y="4455621"/>
+            <a:off x="1100051" y="4455620"/>
             <a:ext cx="10058400" cy="1143000"/>
           </a:xfrm>
         </p:spPr>
@@ -309,7 +669,7 @@
           </a:lstStyle>
           <a:p>
             <a:r>
-              <a:rPr lang="en-US" smtClean="0"/>
+              <a:rPr lang="en-US"/>
               <a:t>Click to edit Master subtitle style</a:t>
             </a:r>
             <a:endParaRPr lang="en-US" dirty="0"/>
@@ -331,9 +691,9 @@
           <a:bodyPr/>
           <a:lstStyle/>
           <a:p>
-            <a:fld id="{54EE2D61-6E0A-467F-A479-063CFD2792C9}" type="datetimeFigureOut">
+            <a:fld id="{E40A88B8-36DE-49AC-B294-078E6D847F2E}" type="datetimeFigureOut">
               <a:rPr lang="en-CA" smtClean="0"/>
-              <a:t>2021-04-06</a:t>
+              <a:t>2021-04-17</a:t>
             </a:fld>
             <a:endParaRPr lang="en-CA"/>
           </a:p>
@@ -373,7 +733,7 @@
           <a:bodyPr/>
           <a:lstStyle/>
           <a:p>
-            <a:fld id="{5EDD003F-3040-4EC8-A07C-30B91FE13877}" type="slidenum">
+            <a:fld id="{9C2B58E4-2703-4187-A486-D4FFC5E9811F}" type="slidenum">
               <a:rPr lang="en-CA" smtClean="0"/>
               <a:t>‹#›</a:t>
             </a:fld>
@@ -422,7 +782,7 @@
     </p:spTree>
     <p:extLst>
       <p:ext uri="{BB962C8B-B14F-4D97-AF65-F5344CB8AC3E}">
-        <p14:creationId xmlns:p14="http://schemas.microsoft.com/office/powerpoint/2010/main" val="1789422620"/>
+        <p14:creationId xmlns:p14="http://schemas.microsoft.com/office/powerpoint/2010/main" val="1386531189"/>
       </p:ext>
     </p:extLst>
   </p:cSld>
@@ -465,7 +825,7 @@
           <a:lstStyle/>
           <a:p>
             <a:r>
-              <a:rPr lang="en-US" smtClean="0"/>
+              <a:rPr lang="en-US"/>
               <a:t>Click to edit Master title style</a:t>
             </a:r>
             <a:endParaRPr lang="en-US" dirty="0"/>
@@ -489,35 +849,35 @@
           <a:p>
             <a:pPr lvl="0"/>
             <a:r>
-              <a:rPr lang="en-US" smtClean="0"/>
+              <a:rPr lang="en-US"/>
               <a:t>Click to edit Master text styles</a:t>
             </a:r>
           </a:p>
           <a:p>
             <a:pPr lvl="1"/>
             <a:r>
-              <a:rPr lang="en-US" smtClean="0"/>
+              <a:rPr lang="en-US"/>
               <a:t>Second level</a:t>
             </a:r>
           </a:p>
           <a:p>
             <a:pPr lvl="2"/>
             <a:r>
-              <a:rPr lang="en-US" smtClean="0"/>
+              <a:rPr lang="en-US"/>
               <a:t>Third level</a:t>
             </a:r>
           </a:p>
           <a:p>
             <a:pPr lvl="3"/>
             <a:r>
-              <a:rPr lang="en-US" smtClean="0"/>
+              <a:rPr lang="en-US"/>
               <a:t>Fourth level</a:t>
             </a:r>
           </a:p>
           <a:p>
             <a:pPr lvl="4"/>
             <a:r>
-              <a:rPr lang="en-US" smtClean="0"/>
+              <a:rPr lang="en-US"/>
               <a:t>Fifth level</a:t>
             </a:r>
             <a:endParaRPr lang="en-US" dirty="0"/>
@@ -539,9 +899,9 @@
           <a:bodyPr/>
           <a:lstStyle/>
           <a:p>
-            <a:fld id="{54EE2D61-6E0A-467F-A479-063CFD2792C9}" type="datetimeFigureOut">
+            <a:fld id="{E40A88B8-36DE-49AC-B294-078E6D847F2E}" type="datetimeFigureOut">
               <a:rPr lang="en-CA" smtClean="0"/>
-              <a:t>2021-04-06</a:t>
+              <a:t>2021-04-17</a:t>
             </a:fld>
             <a:endParaRPr lang="en-CA"/>
           </a:p>
@@ -581,7 +941,7 @@
           <a:bodyPr/>
           <a:lstStyle/>
           <a:p>
-            <a:fld id="{5EDD003F-3040-4EC8-A07C-30B91FE13877}" type="slidenum">
+            <a:fld id="{9C2B58E4-2703-4187-A486-D4FFC5E9811F}" type="slidenum">
               <a:rPr lang="en-CA" smtClean="0"/>
               <a:t>‹#›</a:t>
             </a:fld>
@@ -592,7 +952,7 @@
     </p:spTree>
     <p:extLst>
       <p:ext uri="{BB962C8B-B14F-4D97-AF65-F5344CB8AC3E}">
-        <p14:creationId xmlns:p14="http://schemas.microsoft.com/office/powerpoint/2010/main" val="2093565841"/>
+        <p14:creationId xmlns:p14="http://schemas.microsoft.com/office/powerpoint/2010/main" val="1618445764"/>
       </p:ext>
     </p:extLst>
   </p:cSld>
@@ -707,8 +1067,8 @@
         </p:nvSpPr>
         <p:spPr>
           <a:xfrm>
-            <a:off x="8724900" y="412302"/>
-            <a:ext cx="2628900" cy="5759898"/>
+            <a:off x="8724900" y="414778"/>
+            <a:ext cx="2628900" cy="5757421"/>
           </a:xfrm>
         </p:spPr>
         <p:txBody>
@@ -716,7 +1076,7 @@
           <a:lstStyle/>
           <a:p>
             <a:r>
-              <a:rPr lang="en-US" smtClean="0"/>
+              <a:rPr lang="en-US"/>
               <a:t>Click to edit Master title style</a:t>
             </a:r>
             <a:endParaRPr lang="en-US" dirty="0"/>
@@ -735,8 +1095,8 @@
         </p:nvSpPr>
         <p:spPr>
           <a:xfrm>
-            <a:off x="838200" y="412302"/>
-            <a:ext cx="7734300" cy="5759898"/>
+            <a:off x="838200" y="414778"/>
+            <a:ext cx="7734300" cy="5757422"/>
           </a:xfrm>
         </p:spPr>
         <p:txBody>
@@ -745,35 +1105,35 @@
           <a:p>
             <a:pPr lvl="0"/>
             <a:r>
-              <a:rPr lang="en-US" smtClean="0"/>
+              <a:rPr lang="en-US"/>
               <a:t>Click to edit Master text styles</a:t>
             </a:r>
           </a:p>
           <a:p>
             <a:pPr lvl="1"/>
             <a:r>
-              <a:rPr lang="en-US" smtClean="0"/>
+              <a:rPr lang="en-US"/>
               <a:t>Second level</a:t>
             </a:r>
           </a:p>
           <a:p>
             <a:pPr lvl="2"/>
             <a:r>
-              <a:rPr lang="en-US" smtClean="0"/>
+              <a:rPr lang="en-US"/>
               <a:t>Third level</a:t>
             </a:r>
           </a:p>
           <a:p>
             <a:pPr lvl="3"/>
             <a:r>
-              <a:rPr lang="en-US" smtClean="0"/>
+              <a:rPr lang="en-US"/>
               <a:t>Fourth level</a:t>
             </a:r>
           </a:p>
           <a:p>
             <a:pPr lvl="4"/>
             <a:r>
-              <a:rPr lang="en-US" smtClean="0"/>
+              <a:rPr lang="en-US"/>
               <a:t>Fifth level</a:t>
             </a:r>
             <a:endParaRPr lang="en-US" dirty="0"/>
@@ -795,9 +1155,9 @@
           <a:bodyPr/>
           <a:lstStyle/>
           <a:p>
-            <a:fld id="{54EE2D61-6E0A-467F-A479-063CFD2792C9}" type="datetimeFigureOut">
+            <a:fld id="{E40A88B8-36DE-49AC-B294-078E6D847F2E}" type="datetimeFigureOut">
               <a:rPr lang="en-CA" smtClean="0"/>
-              <a:t>2021-04-06</a:t>
+              <a:t>2021-04-17</a:t>
             </a:fld>
             <a:endParaRPr lang="en-CA"/>
           </a:p>
@@ -837,7 +1197,7 @@
           <a:bodyPr/>
           <a:lstStyle/>
           <a:p>
-            <a:fld id="{5EDD003F-3040-4EC8-A07C-30B91FE13877}" type="slidenum">
+            <a:fld id="{9C2B58E4-2703-4187-A486-D4FFC5E9811F}" type="slidenum">
               <a:rPr lang="en-CA" smtClean="0"/>
               <a:t>‹#›</a:t>
             </a:fld>
@@ -848,7 +1208,7 @@
     </p:spTree>
     <p:extLst>
       <p:ext uri="{BB962C8B-B14F-4D97-AF65-F5344CB8AC3E}">
-        <p14:creationId xmlns:p14="http://schemas.microsoft.com/office/powerpoint/2010/main" val="517138064"/>
+        <p14:creationId xmlns:p14="http://schemas.microsoft.com/office/powerpoint/2010/main" val="3445925545"/>
       </p:ext>
     </p:extLst>
   </p:cSld>
@@ -888,10 +1248,14 @@
         <p:spPr/>
         <p:txBody>
           <a:bodyPr/>
-          <a:lstStyle/>
-          <a:p>
-            <a:r>
-              <a:rPr lang="en-US" smtClean="0"/>
+          <a:lstStyle>
+            <a:lvl1pPr marL="0">
+              <a:defRPr/>
+            </a:lvl1pPr>
+          </a:lstStyle>
+          <a:p>
+            <a:r>
+              <a:rPr lang="en-US"/>
               <a:t>Click to edit Master title style</a:t>
             </a:r>
             <a:endParaRPr lang="en-US" dirty="0"/>
@@ -915,35 +1279,35 @@
           <a:p>
             <a:pPr lvl="0"/>
             <a:r>
-              <a:rPr lang="en-US" smtClean="0"/>
+              <a:rPr lang="en-US"/>
               <a:t>Click to edit Master text styles</a:t>
             </a:r>
           </a:p>
           <a:p>
             <a:pPr lvl="1"/>
             <a:r>
-              <a:rPr lang="en-US" smtClean="0"/>
+              <a:rPr lang="en-US"/>
               <a:t>Second level</a:t>
             </a:r>
           </a:p>
           <a:p>
             <a:pPr lvl="2"/>
             <a:r>
-              <a:rPr lang="en-US" smtClean="0"/>
+              <a:rPr lang="en-US"/>
               <a:t>Third level</a:t>
             </a:r>
           </a:p>
           <a:p>
             <a:pPr lvl="3"/>
             <a:r>
-              <a:rPr lang="en-US" smtClean="0"/>
+              <a:rPr lang="en-US"/>
               <a:t>Fourth level</a:t>
             </a:r>
           </a:p>
           <a:p>
             <a:pPr lvl="4"/>
             <a:r>
-              <a:rPr lang="en-US" smtClean="0"/>
+              <a:rPr lang="en-US"/>
               <a:t>Fifth level</a:t>
             </a:r>
             <a:endParaRPr lang="en-US" dirty="0"/>
@@ -965,9 +1329,9 @@
           <a:bodyPr/>
           <a:lstStyle/>
           <a:p>
-            <a:fld id="{54EE2D61-6E0A-467F-A479-063CFD2792C9}" type="datetimeFigureOut">
+            <a:fld id="{E40A88B8-36DE-49AC-B294-078E6D847F2E}" type="datetimeFigureOut">
               <a:rPr lang="en-CA" smtClean="0"/>
-              <a:t>2021-04-06</a:t>
+              <a:t>2021-04-17</a:t>
             </a:fld>
             <a:endParaRPr lang="en-CA"/>
           </a:p>
@@ -1007,7 +1371,7 @@
           <a:bodyPr/>
           <a:lstStyle/>
           <a:p>
-            <a:fld id="{5EDD003F-3040-4EC8-A07C-30B91FE13877}" type="slidenum">
+            <a:fld id="{9C2B58E4-2703-4187-A486-D4FFC5E9811F}" type="slidenum">
               <a:rPr lang="en-CA" smtClean="0"/>
               <a:t>‹#›</a:t>
             </a:fld>
@@ -1018,7 +1382,7 @@
     </p:spTree>
     <p:extLst>
       <p:ext uri="{BB962C8B-B14F-4D97-AF65-F5344CB8AC3E}">
-        <p14:creationId xmlns:p14="http://schemas.microsoft.com/office/powerpoint/2010/main" val="1002085068"/>
+        <p14:creationId xmlns:p14="http://schemas.microsoft.com/office/powerpoint/2010/main" val="1220802241"/>
       </p:ext>
     </p:extLst>
   </p:cSld>
@@ -1166,7 +1530,7 @@
           </a:lstStyle>
           <a:p>
             <a:r>
-              <a:rPr lang="en-US" smtClean="0"/>
+              <a:rPr lang="en-US"/>
               <a:t>Click to edit Master title style</a:t>
             </a:r>
             <a:endParaRPr lang="en-US" dirty="0"/>
@@ -1287,7 +1651,7 @@
           <a:p>
             <a:pPr lvl="0"/>
             <a:r>
-              <a:rPr lang="en-US" smtClean="0"/>
+              <a:rPr lang="en-US"/>
               <a:t>Click to edit Master text styles</a:t>
             </a:r>
           </a:p>
@@ -1308,9 +1672,9 @@
           <a:bodyPr/>
           <a:lstStyle/>
           <a:p>
-            <a:fld id="{54EE2D61-6E0A-467F-A479-063CFD2792C9}" type="datetimeFigureOut">
+            <a:fld id="{E40A88B8-36DE-49AC-B294-078E6D847F2E}" type="datetimeFigureOut">
               <a:rPr lang="en-CA" smtClean="0"/>
-              <a:t>2021-04-06</a:t>
+              <a:t>2021-04-17</a:t>
             </a:fld>
             <a:endParaRPr lang="en-CA"/>
           </a:p>
@@ -1350,7 +1714,7 @@
           <a:bodyPr/>
           <a:lstStyle/>
           <a:p>
-            <a:fld id="{5EDD003F-3040-4EC8-A07C-30B91FE13877}" type="slidenum">
+            <a:fld id="{9C2B58E4-2703-4187-A486-D4FFC5E9811F}" type="slidenum">
               <a:rPr lang="en-CA" smtClean="0"/>
               <a:t>‹#›</a:t>
             </a:fld>
@@ -1399,7 +1763,7 @@
     </p:spTree>
     <p:extLst>
       <p:ext uri="{BB962C8B-B14F-4D97-AF65-F5344CB8AC3E}">
-        <p14:creationId xmlns:p14="http://schemas.microsoft.com/office/powerpoint/2010/main" val="2000889506"/>
+        <p14:creationId xmlns:p14="http://schemas.microsoft.com/office/powerpoint/2010/main" val="2718426999"/>
       </p:ext>
     </p:extLst>
   </p:cSld>
@@ -1447,7 +1811,7 @@
           <a:lstStyle/>
           <a:p>
             <a:r>
-              <a:rPr lang="en-US" smtClean="0"/>
+              <a:rPr lang="en-US"/>
               <a:t>Click to edit Master title style</a:t>
             </a:r>
             <a:endParaRPr lang="en-US" dirty="0"/>
@@ -1466,7 +1830,7 @@
         </p:nvSpPr>
         <p:spPr>
           <a:xfrm>
-            <a:off x="1097278" y="1845734"/>
+            <a:off x="1097279" y="1845734"/>
             <a:ext cx="4937760" cy="4023360"/>
           </a:xfrm>
         </p:spPr>
@@ -1476,35 +1840,35 @@
           <a:p>
             <a:pPr lvl="0"/>
             <a:r>
-              <a:rPr lang="en-US" smtClean="0"/>
+              <a:rPr lang="en-US"/>
               <a:t>Click to edit Master text styles</a:t>
             </a:r>
           </a:p>
           <a:p>
             <a:pPr lvl="1"/>
             <a:r>
-              <a:rPr lang="en-US" smtClean="0"/>
+              <a:rPr lang="en-US"/>
               <a:t>Second level</a:t>
             </a:r>
           </a:p>
           <a:p>
             <a:pPr lvl="2"/>
             <a:r>
-              <a:rPr lang="en-US" smtClean="0"/>
+              <a:rPr lang="en-US"/>
               <a:t>Third level</a:t>
             </a:r>
           </a:p>
           <a:p>
             <a:pPr lvl="3"/>
             <a:r>
-              <a:rPr lang="en-US" smtClean="0"/>
+              <a:rPr lang="en-US"/>
               <a:t>Fourth level</a:t>
             </a:r>
           </a:p>
           <a:p>
             <a:pPr lvl="4"/>
             <a:r>
-              <a:rPr lang="en-US" smtClean="0"/>
+              <a:rPr lang="en-US"/>
               <a:t>Fifth level</a:t>
             </a:r>
             <a:endParaRPr lang="en-US" dirty="0"/>
@@ -1533,35 +1897,35 @@
           <a:p>
             <a:pPr lvl="0"/>
             <a:r>
-              <a:rPr lang="en-US" smtClean="0"/>
+              <a:rPr lang="en-US"/>
               <a:t>Click to edit Master text styles</a:t>
             </a:r>
           </a:p>
           <a:p>
             <a:pPr lvl="1"/>
             <a:r>
-              <a:rPr lang="en-US" smtClean="0"/>
+              <a:rPr lang="en-US"/>
               <a:t>Second level</a:t>
             </a:r>
           </a:p>
           <a:p>
             <a:pPr lvl="2"/>
             <a:r>
-              <a:rPr lang="en-US" smtClean="0"/>
+              <a:rPr lang="en-US"/>
               <a:t>Third level</a:t>
             </a:r>
           </a:p>
           <a:p>
             <a:pPr lvl="3"/>
             <a:r>
-              <a:rPr lang="en-US" smtClean="0"/>
+              <a:rPr lang="en-US"/>
               <a:t>Fourth level</a:t>
             </a:r>
           </a:p>
           <a:p>
             <a:pPr lvl="4"/>
             <a:r>
-              <a:rPr lang="en-US" smtClean="0"/>
+              <a:rPr lang="en-US"/>
               <a:t>Fifth level</a:t>
             </a:r>
             <a:endParaRPr lang="en-US" dirty="0"/>
@@ -1583,9 +1947,9 @@
           <a:bodyPr/>
           <a:lstStyle/>
           <a:p>
-            <a:fld id="{54EE2D61-6E0A-467F-A479-063CFD2792C9}" type="datetimeFigureOut">
+            <a:fld id="{E40A88B8-36DE-49AC-B294-078E6D847F2E}" type="datetimeFigureOut">
               <a:rPr lang="en-CA" smtClean="0"/>
-              <a:t>2021-04-06</a:t>
+              <a:t>2021-04-17</a:t>
             </a:fld>
             <a:endParaRPr lang="en-CA"/>
           </a:p>
@@ -1625,7 +1989,7 @@
           <a:bodyPr/>
           <a:lstStyle/>
           <a:p>
-            <a:fld id="{5EDD003F-3040-4EC8-A07C-30B91FE13877}" type="slidenum">
+            <a:fld id="{9C2B58E4-2703-4187-A486-D4FFC5E9811F}" type="slidenum">
               <a:rPr lang="en-CA" smtClean="0"/>
               <a:t>‹#›</a:t>
             </a:fld>
@@ -1636,7 +2000,7 @@
     </p:spTree>
     <p:extLst>
       <p:ext uri="{BB962C8B-B14F-4D97-AF65-F5344CB8AC3E}">
-        <p14:creationId xmlns:p14="http://schemas.microsoft.com/office/powerpoint/2010/main" val="3123811787"/>
+        <p14:creationId xmlns:p14="http://schemas.microsoft.com/office/powerpoint/2010/main" val="3711457352"/>
       </p:ext>
     </p:extLst>
   </p:cSld>
@@ -1684,7 +2048,7 @@
           <a:lstStyle/>
           <a:p>
             <a:r>
-              <a:rPr lang="en-US" smtClean="0"/>
+              <a:rPr lang="en-US"/>
               <a:t>Click to edit Master title style</a:t>
             </a:r>
             <a:endParaRPr lang="en-US" dirty="0"/>
@@ -1756,7 +2120,7 @@
           <a:p>
             <a:pPr lvl="0"/>
             <a:r>
-              <a:rPr lang="en-US" smtClean="0"/>
+              <a:rPr lang="en-US" dirty="0"/>
               <a:t>Click to edit Master text styles</a:t>
             </a:r>
           </a:p>
@@ -1784,35 +2148,35 @@
           <a:p>
             <a:pPr lvl="0"/>
             <a:r>
-              <a:rPr lang="en-US" smtClean="0"/>
+              <a:rPr lang="en-US"/>
               <a:t>Click to edit Master text styles</a:t>
             </a:r>
           </a:p>
           <a:p>
             <a:pPr lvl="1"/>
             <a:r>
-              <a:rPr lang="en-US" smtClean="0"/>
+              <a:rPr lang="en-US"/>
               <a:t>Second level</a:t>
             </a:r>
           </a:p>
           <a:p>
             <a:pPr lvl="2"/>
             <a:r>
-              <a:rPr lang="en-US" smtClean="0"/>
+              <a:rPr lang="en-US"/>
               <a:t>Third level</a:t>
             </a:r>
           </a:p>
           <a:p>
             <a:pPr lvl="3"/>
             <a:r>
-              <a:rPr lang="en-US" smtClean="0"/>
+              <a:rPr lang="en-US"/>
               <a:t>Fourth level</a:t>
             </a:r>
           </a:p>
           <a:p>
             <a:pPr lvl="4"/>
             <a:r>
-              <a:rPr lang="en-US" smtClean="0"/>
+              <a:rPr lang="en-US"/>
               <a:t>Fifth level</a:t>
             </a:r>
             <a:endParaRPr lang="en-US" dirty="0"/>
@@ -1883,10 +2247,7 @@
           </a:lstStyle>
           <a:p>
             <a:pPr lvl="0"/>
-            <a:r>
-              <a:rPr lang="en-US" smtClean="0"/>
-              <a:t>Click to edit Master text styles</a:t>
-            </a:r>
+            <a:endParaRPr lang="en-US" dirty="0"/>
           </a:p>
         </p:txBody>
       </p:sp>
@@ -1912,35 +2273,35 @@
           <a:p>
             <a:pPr lvl="0"/>
             <a:r>
-              <a:rPr lang="en-US" smtClean="0"/>
+              <a:rPr lang="en-US"/>
               <a:t>Click to edit Master text styles</a:t>
             </a:r>
           </a:p>
           <a:p>
             <a:pPr lvl="1"/>
             <a:r>
-              <a:rPr lang="en-US" smtClean="0"/>
+              <a:rPr lang="en-US"/>
               <a:t>Second level</a:t>
             </a:r>
           </a:p>
           <a:p>
             <a:pPr lvl="2"/>
             <a:r>
-              <a:rPr lang="en-US" smtClean="0"/>
+              <a:rPr lang="en-US"/>
               <a:t>Third level</a:t>
             </a:r>
           </a:p>
           <a:p>
             <a:pPr lvl="3"/>
             <a:r>
-              <a:rPr lang="en-US" smtClean="0"/>
+              <a:rPr lang="en-US"/>
               <a:t>Fourth level</a:t>
             </a:r>
           </a:p>
           <a:p>
             <a:pPr lvl="4"/>
             <a:r>
-              <a:rPr lang="en-US" smtClean="0"/>
+              <a:rPr lang="en-US"/>
               <a:t>Fifth level</a:t>
             </a:r>
             <a:endParaRPr lang="en-US" dirty="0"/>
@@ -1962,9 +2323,9 @@
           <a:bodyPr/>
           <a:lstStyle/>
           <a:p>
-            <a:fld id="{54EE2D61-6E0A-467F-A479-063CFD2792C9}" type="datetimeFigureOut">
+            <a:fld id="{E40A88B8-36DE-49AC-B294-078E6D847F2E}" type="datetimeFigureOut">
               <a:rPr lang="en-CA" smtClean="0"/>
-              <a:t>2021-04-06</a:t>
+              <a:t>2021-04-17</a:t>
             </a:fld>
             <a:endParaRPr lang="en-CA"/>
           </a:p>
@@ -2004,7 +2365,7 @@
           <a:bodyPr/>
           <a:lstStyle/>
           <a:p>
-            <a:fld id="{5EDD003F-3040-4EC8-A07C-30B91FE13877}" type="slidenum">
+            <a:fld id="{9C2B58E4-2703-4187-A486-D4FFC5E9811F}" type="slidenum">
               <a:rPr lang="en-CA" smtClean="0"/>
               <a:t>‹#›</a:t>
             </a:fld>
@@ -2015,7 +2376,7 @@
     </p:spTree>
     <p:extLst>
       <p:ext uri="{BB962C8B-B14F-4D97-AF65-F5344CB8AC3E}">
-        <p14:creationId xmlns:p14="http://schemas.microsoft.com/office/powerpoint/2010/main" val="1758875678"/>
+        <p14:creationId xmlns:p14="http://schemas.microsoft.com/office/powerpoint/2010/main" val="2924586648"/>
       </p:ext>
     </p:extLst>
   </p:cSld>
@@ -2058,7 +2419,7 @@
           <a:lstStyle/>
           <a:p>
             <a:r>
-              <a:rPr lang="en-US" smtClean="0"/>
+              <a:rPr lang="en-US"/>
               <a:t>Click to edit Master title style</a:t>
             </a:r>
             <a:endParaRPr lang="en-US" dirty="0"/>
@@ -2080,9 +2441,9 @@
           <a:bodyPr/>
           <a:lstStyle/>
           <a:p>
-            <a:fld id="{54EE2D61-6E0A-467F-A479-063CFD2792C9}" type="datetimeFigureOut">
+            <a:fld id="{E40A88B8-36DE-49AC-B294-078E6D847F2E}" type="datetimeFigureOut">
               <a:rPr lang="en-CA" smtClean="0"/>
-              <a:t>2021-04-06</a:t>
+              <a:t>2021-04-17</a:t>
             </a:fld>
             <a:endParaRPr lang="en-CA"/>
           </a:p>
@@ -2122,7 +2483,7 @@
           <a:bodyPr/>
           <a:lstStyle/>
           <a:p>
-            <a:fld id="{5EDD003F-3040-4EC8-A07C-30B91FE13877}" type="slidenum">
+            <a:fld id="{9C2B58E4-2703-4187-A486-D4FFC5E9811F}" type="slidenum">
               <a:rPr lang="en-CA" smtClean="0"/>
               <a:t>‹#›</a:t>
             </a:fld>
@@ -2133,7 +2494,7 @@
     </p:spTree>
     <p:extLst>
       <p:ext uri="{BB962C8B-B14F-4D97-AF65-F5344CB8AC3E}">
-        <p14:creationId xmlns:p14="http://schemas.microsoft.com/office/powerpoint/2010/main" val="3197431137"/>
+        <p14:creationId xmlns:p14="http://schemas.microsoft.com/office/powerpoint/2010/main" val="2352895310"/>
       </p:ext>
     </p:extLst>
   </p:cSld>
@@ -2251,9 +2612,9 @@
           <a:bodyPr/>
           <a:lstStyle/>
           <a:p>
-            <a:fld id="{54EE2D61-6E0A-467F-A479-063CFD2792C9}" type="datetimeFigureOut">
+            <a:fld id="{E40A88B8-36DE-49AC-B294-078E6D847F2E}" type="datetimeFigureOut">
               <a:rPr lang="en-CA" smtClean="0"/>
-              <a:t>2021-04-06</a:t>
+              <a:t>2021-04-17</a:t>
             </a:fld>
             <a:endParaRPr lang="en-CA"/>
           </a:p>
@@ -2301,7 +2662,7 @@
           <a:bodyPr/>
           <a:lstStyle/>
           <a:p>
-            <a:fld id="{5EDD003F-3040-4EC8-A07C-30B91FE13877}" type="slidenum">
+            <a:fld id="{9C2B58E4-2703-4187-A486-D4FFC5E9811F}" type="slidenum">
               <a:rPr lang="en-CA" smtClean="0"/>
               <a:t>‹#›</a:t>
             </a:fld>
@@ -2312,7 +2673,7 @@
     </p:spTree>
     <p:extLst>
       <p:ext uri="{BB962C8B-B14F-4D97-AF65-F5344CB8AC3E}">
-        <p14:creationId xmlns:p14="http://schemas.microsoft.com/office/powerpoint/2010/main" val="3985751486"/>
+        <p14:creationId xmlns:p14="http://schemas.microsoft.com/office/powerpoint/2010/main" val="1622998654"/>
       </p:ext>
     </p:extLst>
   </p:cSld>
@@ -2446,7 +2807,7 @@
           </a:lstStyle>
           <a:p>
             <a:r>
-              <a:rPr lang="en-US" smtClean="0"/>
+              <a:rPr lang="en-US"/>
               <a:t>Click to edit Master title style</a:t>
             </a:r>
             <a:endParaRPr lang="en-US" dirty="0"/>
@@ -2475,35 +2836,35 @@
           <a:p>
             <a:pPr lvl="0"/>
             <a:r>
-              <a:rPr lang="en-US" smtClean="0"/>
+              <a:rPr lang="en-US"/>
               <a:t>Click to edit Master text styles</a:t>
             </a:r>
           </a:p>
           <a:p>
             <a:pPr lvl="1"/>
             <a:r>
-              <a:rPr lang="en-US" smtClean="0"/>
+              <a:rPr lang="en-US"/>
               <a:t>Second level</a:t>
             </a:r>
           </a:p>
           <a:p>
             <a:pPr lvl="2"/>
             <a:r>
-              <a:rPr lang="en-US" smtClean="0"/>
+              <a:rPr lang="en-US"/>
               <a:t>Third level</a:t>
             </a:r>
           </a:p>
           <a:p>
             <a:pPr lvl="3"/>
             <a:r>
-              <a:rPr lang="en-US" smtClean="0"/>
+              <a:rPr lang="en-US"/>
               <a:t>Fourth level</a:t>
             </a:r>
           </a:p>
           <a:p>
             <a:pPr lvl="4"/>
             <a:r>
-              <a:rPr lang="en-US" smtClean="0"/>
+              <a:rPr lang="en-US"/>
               <a:t>Fifth level</a:t>
             </a:r>
             <a:endParaRPr lang="en-US" dirty="0"/>
@@ -2575,7 +2936,7 @@
           <a:p>
             <a:pPr lvl="0"/>
             <a:r>
-              <a:rPr lang="en-US" smtClean="0"/>
+              <a:rPr lang="en-US"/>
               <a:t>Click to edit Master text styles</a:t>
             </a:r>
           </a:p>
@@ -2605,9 +2966,9 @@
             </a:lvl1pPr>
           </a:lstStyle>
           <a:p>
-            <a:fld id="{54EE2D61-6E0A-467F-A479-063CFD2792C9}" type="datetimeFigureOut">
+            <a:fld id="{E40A88B8-36DE-49AC-B294-078E6D847F2E}" type="datetimeFigureOut">
               <a:rPr lang="en-CA" smtClean="0"/>
-              <a:t>2021-04-06</a:t>
+              <a:t>2021-04-17</a:t>
             </a:fld>
             <a:endParaRPr lang="en-CA"/>
           </a:p>
@@ -2668,7 +3029,7 @@
             </a:lvl1pPr>
           </a:lstStyle>
           <a:p>
-            <a:fld id="{5EDD003F-3040-4EC8-A07C-30B91FE13877}" type="slidenum">
+            <a:fld id="{9C2B58E4-2703-4187-A486-D4FFC5E9811F}" type="slidenum">
               <a:rPr lang="en-CA" smtClean="0"/>
               <a:t>‹#›</a:t>
             </a:fld>
@@ -2679,7 +3040,7 @@
     </p:spTree>
     <p:extLst>
       <p:ext uri="{BB962C8B-B14F-4D97-AF65-F5344CB8AC3E}">
-        <p14:creationId xmlns:p14="http://schemas.microsoft.com/office/powerpoint/2010/main" val="3872465026"/>
+        <p14:creationId xmlns:p14="http://schemas.microsoft.com/office/powerpoint/2010/main" val="3269840132"/>
       </p:ext>
     </p:extLst>
   </p:cSld>
@@ -2795,7 +3156,7 @@
         <p:spPr>
           <a:xfrm>
             <a:off x="1097280" y="5074920"/>
-            <a:ext cx="10113645" cy="822960"/>
+            <a:ext cx="10113264" cy="822960"/>
           </a:xfrm>
         </p:spPr>
         <p:txBody>
@@ -2813,7 +3174,7 @@
           </a:lstStyle>
           <a:p>
             <a:r>
-              <a:rPr lang="en-US" smtClean="0"/>
+              <a:rPr lang="en-US"/>
               <a:t>Click to edit Master title style</a:t>
             </a:r>
             <a:endParaRPr lang="en-US" dirty="0"/>
@@ -2835,18 +3196,23 @@
             <a:off x="15" y="0"/>
             <a:ext cx="12191985" cy="4915076"/>
           </a:xfrm>
-          <a:solidFill>
-            <a:schemeClr val="bg2">
-              <a:lumMod val="90000"/>
-            </a:schemeClr>
-          </a:solidFill>
+          <a:blipFill>
+            <a:blip r:embed="rId2"/>
+            <a:stretch>
+              <a:fillRect/>
+            </a:stretch>
+          </a:blipFill>
         </p:spPr>
         <p:txBody>
           <a:bodyPr lIns="457200" tIns="457200" anchor="t"/>
           <a:lstStyle>
             <a:lvl1pPr marL="0" indent="0">
               <a:buNone/>
-              <a:defRPr sz="3200"/>
+              <a:defRPr sz="3200">
+                <a:solidFill>
+                  <a:schemeClr val="bg1"/>
+                </a:solidFill>
+              </a:defRPr>
             </a:lvl1pPr>
             <a:lvl2pPr marL="457200" indent="0">
               <a:buNone/>
@@ -2883,7 +3249,7 @@
           </a:lstStyle>
           <a:p>
             <a:r>
-              <a:rPr lang="en-US" smtClean="0"/>
+              <a:rPr lang="en-US"/>
               <a:t>Click icon to add picture</a:t>
             </a:r>
             <a:endParaRPr lang="en-US" dirty="0"/>
@@ -2902,7 +3268,7 @@
         </p:nvSpPr>
         <p:spPr>
           <a:xfrm>
-            <a:off x="1097280" y="5907024"/>
+            <a:off x="1097280" y="5907023"/>
             <a:ext cx="10113264" cy="594360"/>
           </a:xfrm>
         </p:spPr>
@@ -2961,7 +3327,7 @@
           <a:p>
             <a:pPr lvl="0"/>
             <a:r>
-              <a:rPr lang="en-US" smtClean="0"/>
+              <a:rPr lang="en-US"/>
               <a:t>Click to edit Master text styles</a:t>
             </a:r>
           </a:p>
@@ -2982,9 +3348,9 @@
           <a:bodyPr/>
           <a:lstStyle/>
           <a:p>
-            <a:fld id="{54EE2D61-6E0A-467F-A479-063CFD2792C9}" type="datetimeFigureOut">
+            <a:fld id="{E40A88B8-36DE-49AC-B294-078E6D847F2E}" type="datetimeFigureOut">
               <a:rPr lang="en-CA" smtClean="0"/>
-              <a:t>2021-04-06</a:t>
+              <a:t>2021-04-17</a:t>
             </a:fld>
             <a:endParaRPr lang="en-CA"/>
           </a:p>
@@ -3024,7 +3390,7 @@
           <a:bodyPr/>
           <a:lstStyle/>
           <a:p>
-            <a:fld id="{5EDD003F-3040-4EC8-A07C-30B91FE13877}" type="slidenum">
+            <a:fld id="{9C2B58E4-2703-4187-A486-D4FFC5E9811F}" type="slidenum">
               <a:rPr lang="en-CA" smtClean="0"/>
               <a:t>‹#›</a:t>
             </a:fld>
@@ -3035,7 +3401,7 @@
     </p:spTree>
     <p:extLst>
       <p:ext uri="{BB962C8B-B14F-4D97-AF65-F5344CB8AC3E}">
-        <p14:creationId xmlns:p14="http://schemas.microsoft.com/office/powerpoint/2010/main" val="1308573905"/>
+        <p14:creationId xmlns:p14="http://schemas.microsoft.com/office/powerpoint/2010/main" val="378142288"/>
       </p:ext>
     </p:extLst>
   </p:cSld>
@@ -3113,8 +3479,8 @@
         </p:nvSpPr>
         <p:spPr>
           <a:xfrm>
-            <a:off x="15" y="6334316"/>
-            <a:ext cx="12191985" cy="66484"/>
+            <a:off x="0" y="6334316"/>
+            <a:ext cx="12192001" cy="65998"/>
           </a:xfrm>
           <a:prstGeom prst="rect">
             <a:avLst/>
@@ -3155,8 +3521,8 @@
         </p:nvSpPr>
         <p:spPr>
           <a:xfrm>
-            <a:off x="1097280" y="286603"/>
-            <a:ext cx="10058400" cy="1450757"/>
+            <a:off x="1097280" y="399793"/>
+            <a:ext cx="10058400" cy="872830"/>
           </a:xfrm>
           <a:prstGeom prst="rect">
             <a:avLst/>
@@ -3169,7 +3535,7 @@
           <a:lstStyle/>
           <a:p>
             <a:r>
-              <a:rPr lang="en-US" smtClean="0"/>
+              <a:rPr lang="en-US"/>
               <a:t>Click to edit Master title style</a:t>
             </a:r>
             <a:endParaRPr lang="en-US" dirty="0"/>
@@ -3203,35 +3569,35 @@
           <a:p>
             <a:pPr lvl="0"/>
             <a:r>
-              <a:rPr lang="en-US" smtClean="0"/>
+              <a:rPr lang="en-US"/>
               <a:t>Click to edit Master text styles</a:t>
             </a:r>
           </a:p>
           <a:p>
             <a:pPr lvl="1"/>
             <a:r>
-              <a:rPr lang="en-US" smtClean="0"/>
+              <a:rPr lang="en-US"/>
               <a:t>Second level</a:t>
             </a:r>
           </a:p>
           <a:p>
             <a:pPr lvl="2"/>
             <a:r>
-              <a:rPr lang="en-US" smtClean="0"/>
+              <a:rPr lang="en-US"/>
               <a:t>Third level</a:t>
             </a:r>
           </a:p>
           <a:p>
             <a:pPr lvl="3"/>
             <a:r>
-              <a:rPr lang="en-US" smtClean="0"/>
+              <a:rPr lang="en-US"/>
               <a:t>Fourth level</a:t>
             </a:r>
           </a:p>
           <a:p>
             <a:pPr lvl="4"/>
             <a:r>
-              <a:rPr lang="en-US" smtClean="0"/>
+              <a:rPr lang="en-US"/>
               <a:t>Fifth level</a:t>
             </a:r>
             <a:endParaRPr lang="en-US" dirty="0"/>
@@ -3269,9 +3635,9 @@
             </a:lvl1pPr>
           </a:lstStyle>
           <a:p>
-            <a:fld id="{54EE2D61-6E0A-467F-A479-063CFD2792C9}" type="datetimeFigureOut">
+            <a:fld id="{E40A88B8-36DE-49AC-B294-078E6D847F2E}" type="datetimeFigureOut">
               <a:rPr lang="en-CA" smtClean="0"/>
-              <a:t>2021-04-06</a:t>
+              <a:t>2021-04-17</a:t>
             </a:fld>
             <a:endParaRPr lang="en-CA"/>
           </a:p>
@@ -3343,7 +3709,7 @@
             </a:lvl1pPr>
           </a:lstStyle>
           <a:p>
-            <a:fld id="{5EDD003F-3040-4EC8-A07C-30B91FE13877}" type="slidenum">
+            <a:fld id="{9C2B58E4-2703-4187-A486-D4FFC5E9811F}" type="slidenum">
               <a:rPr lang="en-CA" smtClean="0"/>
               <a:t>‹#›</a:t>
             </a:fld>
@@ -3359,7 +3725,7 @@
         </p:nvCxnSpPr>
         <p:spPr>
           <a:xfrm>
-            <a:off x="1193532" y="1737845"/>
+            <a:off x="1193532" y="1281421"/>
             <a:ext cx="9966960" cy="0"/>
           </a:xfrm>
           <a:prstGeom prst="line">
@@ -3392,23 +3758,23 @@
     </p:spTree>
     <p:extLst>
       <p:ext uri="{BB962C8B-B14F-4D97-AF65-F5344CB8AC3E}">
-        <p14:creationId xmlns:p14="http://schemas.microsoft.com/office/powerpoint/2010/main" val="2935785311"/>
+        <p14:creationId xmlns:p14="http://schemas.microsoft.com/office/powerpoint/2010/main" val="2477091279"/>
       </p:ext>
     </p:extLst>
   </p:cSld>
   <p:clrMap bg1="lt1" tx1="dk1" bg2="lt2" tx2="dk2" accent1="accent1" accent2="accent2" accent3="accent3" accent4="accent4" accent5="accent5" accent6="accent6" hlink="hlink" folHlink="folHlink"/>
   <p:sldLayoutIdLst>
-    <p:sldLayoutId id="2147483673" r:id="rId1"/>
-    <p:sldLayoutId id="2147483674" r:id="rId2"/>
-    <p:sldLayoutId id="2147483675" r:id="rId3"/>
-    <p:sldLayoutId id="2147483676" r:id="rId4"/>
-    <p:sldLayoutId id="2147483677" r:id="rId5"/>
-    <p:sldLayoutId id="2147483678" r:id="rId6"/>
-    <p:sldLayoutId id="2147483679" r:id="rId7"/>
-    <p:sldLayoutId id="2147483680" r:id="rId8"/>
-    <p:sldLayoutId id="2147483681" r:id="rId9"/>
-    <p:sldLayoutId id="2147483682" r:id="rId10"/>
-    <p:sldLayoutId id="2147483683" r:id="rId11"/>
+    <p:sldLayoutId id="2147483775" r:id="rId1"/>
+    <p:sldLayoutId id="2147483776" r:id="rId2"/>
+    <p:sldLayoutId id="2147483777" r:id="rId3"/>
+    <p:sldLayoutId id="2147483778" r:id="rId4"/>
+    <p:sldLayoutId id="2147483779" r:id="rId5"/>
+    <p:sldLayoutId id="2147483780" r:id="rId6"/>
+    <p:sldLayoutId id="2147483781" r:id="rId7"/>
+    <p:sldLayoutId id="2147483782" r:id="rId8"/>
+    <p:sldLayoutId id="2147483783" r:id="rId9"/>
+    <p:sldLayoutId id="2147483784" r:id="rId10"/>
+    <p:sldLayoutId id="2147483785" r:id="rId11"/>
   </p:sldLayoutIdLst>
   <p:txStyles>
     <p:titleStyle>
@@ -3807,26 +4173,24 @@
         </p:nvSpPr>
         <p:spPr/>
         <p:txBody>
-          <a:bodyPr/>
+          <a:bodyPr>
+            <a:normAutofit/>
+          </a:bodyPr>
           <a:lstStyle/>
           <a:p>
             <a:r>
-              <a:rPr lang="en-CA" dirty="0"/>
-              <a:t>COMP 472 </a:t>
-            </a:r>
-            <a:r>
-              <a:rPr lang="en-CA" dirty="0" smtClean="0"/>
-              <a:t>A3 </a:t>
-            </a:r>
-            <a:r>
-              <a:rPr lang="en-CA" dirty="0"/>
-              <a:t/>
+              <a:rPr lang="en-CA" sz="5400" dirty="0"/>
+              <a:t>COMP </a:t>
+            </a:r>
+            <a:r>
+              <a:rPr lang="en-CA" sz="5400"/>
+              <a:t>472 A3 </a:t>
             </a:r>
             <a:br>
-              <a:rPr lang="en-CA" dirty="0"/>
+              <a:rPr lang="en-CA" sz="5400" dirty="0"/>
             </a:br>
             <a:r>
-              <a:rPr lang="en-CA" dirty="0"/>
+              <a:rPr lang="en-CA" sz="5400" dirty="0"/>
               <a:t>Group 9 Presentation</a:t>
             </a:r>
           </a:p>
@@ -3850,47 +4214,338 @@
           <a:lstStyle/>
           <a:p>
             <a:r>
-              <a:rPr lang="en-CA" dirty="0"/>
+              <a:rPr lang="en-CA" sz="1800" dirty="0"/>
               <a:t>Matthew Segal 40031839</a:t>
             </a:r>
           </a:p>
           <a:p>
             <a:r>
-              <a:rPr lang="en-CA" dirty="0"/>
-              <a:t>Evan Mateo 27725167</a:t>
-            </a:r>
-          </a:p>
-          <a:p>
-            <a:r>
-              <a:rPr lang="en-CA" dirty="0"/>
-              <a:t>Joanna Lin 40055253</a:t>
-            </a:r>
-          </a:p>
-          <a:p>
-            <a:r>
-              <a:rPr lang="en-CA" dirty="0" smtClean="0"/>
-              <a:t>Leo </a:t>
-            </a:r>
-            <a:r>
-              <a:rPr lang="en-CA" dirty="0" err="1"/>
-              <a:t>B</a:t>
-            </a:r>
-            <a:r>
-              <a:rPr lang="en-CA" dirty="0" err="1" smtClean="0"/>
-              <a:t>enac</a:t>
-            </a:r>
-            <a:r>
-              <a:rPr lang="en-CA" dirty="0" smtClean="0"/>
-              <a:t> 40090034</a:t>
-            </a:r>
-            <a:endParaRPr lang="en-CA" dirty="0"/>
+              <a:rPr lang="en-CA" sz="1800" dirty="0"/>
+              <a:t>Evan </a:t>
+            </a:r>
+            <a:r>
+              <a:rPr lang="en-CA" sz="1800"/>
+              <a:t>Mateo 27725167</a:t>
+            </a:r>
+          </a:p>
+          <a:p>
+            <a:r>
+              <a:rPr lang="en-US" sz="1800"/>
+              <a:t>leo benac</a:t>
+            </a:r>
+            <a:r>
+              <a:rPr lang="en-CA" sz="1800"/>
+              <a:t> </a:t>
+            </a:r>
+            <a:r>
+              <a:rPr lang="en-US" sz="1800"/>
+              <a:t>40090034</a:t>
+            </a:r>
+            <a:endParaRPr lang="en-CA" sz="1800" dirty="0"/>
+          </a:p>
+          <a:p>
+            <a:r>
+              <a:rPr lang="en-CA" sz="1800"/>
+              <a:t>Joanna </a:t>
+            </a:r>
+            <a:r>
+              <a:rPr lang="en-CA" sz="1800" dirty="0"/>
+              <a:t>Lin 40055253</a:t>
+            </a:r>
           </a:p>
         </p:txBody>
       </p:sp>
     </p:spTree>
     <p:extLst>
       <p:ext uri="{BB962C8B-B14F-4D97-AF65-F5344CB8AC3E}">
-        <p14:creationId xmlns:p14="http://schemas.microsoft.com/office/powerpoint/2010/main" val="1015464352"/>
+        <p14:creationId xmlns:p14="http://schemas.microsoft.com/office/powerpoint/2010/main" val="2310778405"/>
+      </p:ext>
+    </p:extLst>
+  </p:cSld>
+  <p:clrMapOvr>
+    <a:masterClrMapping/>
+  </p:clrMapOvr>
+</p:sld>
+</file>
+
+<file path=ppt/slides/slide2.xml><?xml version="1.0" encoding="utf-8"?>
+<p:sld xmlns:a="http://schemas.openxmlformats.org/drawingml/2006/main" xmlns:r="http://schemas.openxmlformats.org/officeDocument/2006/relationships" xmlns:p="http://schemas.openxmlformats.org/presentationml/2006/main">
+  <p:cSld>
+    <p:spTree>
+      <p:nvGrpSpPr>
+        <p:cNvPr id="1" name=""/>
+        <p:cNvGrpSpPr/>
+        <p:nvPr/>
+      </p:nvGrpSpPr>
+      <p:grpSpPr>
+        <a:xfrm>
+          <a:off x="0" y="0"/>
+          <a:ext cx="0" cy="0"/>
+          <a:chOff x="0" y="0"/>
+          <a:chExt cx="0" cy="0"/>
+        </a:xfrm>
+      </p:grpSpPr>
+      <p:sp>
+        <p:nvSpPr>
+          <p:cNvPr id="2" name="Title 1"/>
+          <p:cNvSpPr>
+            <a:spLocks noGrp="1"/>
+          </p:cNvSpPr>
+          <p:nvPr>
+            <p:ph type="title"/>
+          </p:nvPr>
+        </p:nvSpPr>
+        <p:spPr>
+          <a:xfrm>
+            <a:off x="1097280" y="419725"/>
+            <a:ext cx="10058400" cy="748009"/>
+          </a:xfrm>
+        </p:spPr>
+        <p:txBody>
+          <a:bodyPr/>
+          <a:lstStyle/>
+          <a:p>
+            <a:r>
+              <a:rPr lang="en-US"/>
+              <a:t>Pseudocode</a:t>
+            </a:r>
+            <a:endParaRPr lang="en-CA" dirty="0"/>
+          </a:p>
+        </p:txBody>
+      </p:sp>
+      <p:pic>
+        <p:nvPicPr>
+          <p:cNvPr id="1026" name="Picture 2">
+            <a:extLst>
+              <a:ext uri="{FF2B5EF4-FFF2-40B4-BE49-F238E27FC236}">
+                <a16:creationId xmlns:a16="http://schemas.microsoft.com/office/drawing/2014/main" id="{CEB5E650-49FB-4F19-9F43-201D14FB6F5E}"/>
+              </a:ext>
+            </a:extLst>
+          </p:cNvPr>
+          <p:cNvPicPr>
+            <a:picLocks noChangeAspect="1" noChangeArrowheads="1"/>
+          </p:cNvPicPr>
+          <p:nvPr/>
+        </p:nvPicPr>
+        <p:blipFill>
+          <a:blip r:embed="rId2">
+            <a:extLst>
+              <a:ext uri="{28A0092B-C50C-407E-A947-70E740481C1C}">
+                <a14:useLocalDpi xmlns:a14="http://schemas.microsoft.com/office/drawing/2010/main" val="0"/>
+              </a:ext>
+            </a:extLst>
+          </a:blip>
+          <a:srcRect/>
+          <a:stretch>
+            <a:fillRect/>
+          </a:stretch>
+        </p:blipFill>
+        <p:spPr bwMode="auto">
+          <a:xfrm>
+            <a:off x="3541652" y="1417493"/>
+            <a:ext cx="5169656" cy="4743609"/>
+          </a:xfrm>
+          <a:prstGeom prst="rect">
+            <a:avLst/>
+          </a:prstGeom>
+          <a:noFill/>
+          <a:extLst>
+            <a:ext uri="{909E8E84-426E-40DD-AFC4-6F175D3DCCD1}">
+              <a14:hiddenFill xmlns:a14="http://schemas.microsoft.com/office/drawing/2010/main">
+                <a:solidFill>
+                  <a:srgbClr val="FFFFFF"/>
+                </a:solidFill>
+              </a14:hiddenFill>
+            </a:ext>
+          </a:extLst>
+        </p:spPr>
+      </p:pic>
+      <p:sp>
+        <p:nvSpPr>
+          <p:cNvPr id="5" name="Rectangle 4">
+            <a:extLst>
+              <a:ext uri="{FF2B5EF4-FFF2-40B4-BE49-F238E27FC236}">
+                <a16:creationId xmlns:a16="http://schemas.microsoft.com/office/drawing/2014/main" id="{CE6BB091-68B1-43E8-95DD-EF9F3B10DDD1}"/>
+              </a:ext>
+            </a:extLst>
+          </p:cNvPr>
+          <p:cNvSpPr/>
+          <p:nvPr/>
+        </p:nvSpPr>
+        <p:spPr>
+          <a:xfrm>
+            <a:off x="3912243" y="1875099"/>
+            <a:ext cx="3159889" cy="150471"/>
+          </a:xfrm>
+          <a:prstGeom prst="rect">
+            <a:avLst/>
+          </a:prstGeom>
+          <a:noFill/>
+          <a:ln>
+            <a:solidFill>
+              <a:srgbClr val="FF0000"/>
+            </a:solidFill>
+          </a:ln>
+        </p:spPr>
+        <p:style>
+          <a:lnRef idx="2">
+            <a:schemeClr val="accent1">
+              <a:shade val="50000"/>
+            </a:schemeClr>
+          </a:lnRef>
+          <a:fillRef idx="1">
+            <a:schemeClr val="accent1"/>
+          </a:fillRef>
+          <a:effectRef idx="0">
+            <a:schemeClr val="accent1"/>
+          </a:effectRef>
+          <a:fontRef idx="minor">
+            <a:schemeClr val="lt1"/>
+          </a:fontRef>
+        </p:style>
+        <p:txBody>
+          <a:bodyPr rtlCol="0" anchor="ctr"/>
+          <a:lstStyle/>
+          <a:p>
+            <a:pPr algn="ctr"/>
+            <a:endParaRPr lang="en-US"/>
+          </a:p>
+        </p:txBody>
+      </p:sp>
+    </p:spTree>
+    <p:extLst>
+      <p:ext uri="{BB962C8B-B14F-4D97-AF65-F5344CB8AC3E}">
+        <p14:creationId xmlns:p14="http://schemas.microsoft.com/office/powerpoint/2010/main" val="2172937384"/>
+      </p:ext>
+    </p:extLst>
+  </p:cSld>
+  <p:clrMapOvr>
+    <a:masterClrMapping/>
+  </p:clrMapOvr>
+</p:sld>
+</file>
+
+<file path=ppt/slides/slide3.xml><?xml version="1.0" encoding="utf-8"?>
+<p:sld xmlns:a="http://schemas.openxmlformats.org/drawingml/2006/main" xmlns:r="http://schemas.openxmlformats.org/officeDocument/2006/relationships" xmlns:p="http://schemas.openxmlformats.org/presentationml/2006/main">
+  <p:cSld>
+    <p:spTree>
+      <p:nvGrpSpPr>
+        <p:cNvPr id="1" name=""/>
+        <p:cNvGrpSpPr/>
+        <p:nvPr/>
+      </p:nvGrpSpPr>
+      <p:grpSpPr>
+        <a:xfrm>
+          <a:off x="0" y="0"/>
+          <a:ext cx="0" cy="0"/>
+          <a:chOff x="0" y="0"/>
+          <a:chExt cx="0" cy="0"/>
+        </a:xfrm>
+      </p:grpSpPr>
+      <p:sp>
+        <p:nvSpPr>
+          <p:cNvPr id="2" name="Title 1"/>
+          <p:cNvSpPr>
+            <a:spLocks noGrp="1"/>
+          </p:cNvSpPr>
+          <p:nvPr>
+            <p:ph type="title"/>
+          </p:nvPr>
+        </p:nvSpPr>
+        <p:spPr>
+          <a:xfrm>
+            <a:off x="1097280" y="419725"/>
+            <a:ext cx="10058400" cy="748009"/>
+          </a:xfrm>
+        </p:spPr>
+        <p:txBody>
+          <a:bodyPr/>
+          <a:lstStyle/>
+          <a:p>
+            <a:r>
+              <a:rPr lang="en-US"/>
+              <a:t>Analysis</a:t>
+            </a:r>
+            <a:endParaRPr lang="en-CA" dirty="0"/>
+          </a:p>
+        </p:txBody>
+      </p:sp>
+      <p:sp>
+        <p:nvSpPr>
+          <p:cNvPr id="3" name="TextBox 2">
+            <a:extLst>
+              <a:ext uri="{FF2B5EF4-FFF2-40B4-BE49-F238E27FC236}">
+                <a16:creationId xmlns:a16="http://schemas.microsoft.com/office/drawing/2014/main" id="{F8D9E488-AC58-4AF4-AC32-B4DF80064385}"/>
+              </a:ext>
+            </a:extLst>
+          </p:cNvPr>
+          <p:cNvSpPr txBox="1"/>
+          <p:nvPr/>
+        </p:nvSpPr>
+        <p:spPr>
+          <a:xfrm>
+            <a:off x="1328774" y="1534874"/>
+            <a:ext cx="3297836" cy="369332"/>
+          </a:xfrm>
+          <a:prstGeom prst="rect">
+            <a:avLst/>
+          </a:prstGeom>
+          <a:noFill/>
+        </p:spPr>
+        <p:txBody>
+          <a:bodyPr wrap="square" rtlCol="0">
+            <a:spAutoFit/>
+          </a:bodyPr>
+          <a:lstStyle/>
+          <a:p>
+            <a:r>
+              <a:rPr lang="en-US" b="1">
+                <a:solidFill>
+                  <a:schemeClr val="tx1">
+                    <a:lumMod val="75000"/>
+                    <a:lumOff val="25000"/>
+                  </a:schemeClr>
+                </a:solidFill>
+              </a:rPr>
+              <a:t>output2.txt</a:t>
+            </a:r>
+          </a:p>
+        </p:txBody>
+      </p:sp>
+      <p:pic>
+        <p:nvPicPr>
+          <p:cNvPr id="7" name="Picture 6">
+            <a:extLst>
+              <a:ext uri="{FF2B5EF4-FFF2-40B4-BE49-F238E27FC236}">
+                <a16:creationId xmlns:a16="http://schemas.microsoft.com/office/drawing/2014/main" id="{7FD07523-5209-4A35-9754-C133BFD6B640}"/>
+              </a:ext>
+            </a:extLst>
+          </p:cNvPr>
+          <p:cNvPicPr>
+            <a:picLocks noChangeAspect="1"/>
+          </p:cNvPicPr>
+          <p:nvPr/>
+        </p:nvPicPr>
+        <p:blipFill>
+          <a:blip r:embed="rId2"/>
+          <a:stretch>
+            <a:fillRect/>
+          </a:stretch>
+        </p:blipFill>
+        <p:spPr>
+          <a:xfrm>
+            <a:off x="934630" y="2271346"/>
+            <a:ext cx="10383699" cy="3801005"/>
+          </a:xfrm>
+          <a:prstGeom prst="rect">
+            <a:avLst/>
+          </a:prstGeom>
+        </p:spPr>
+      </p:pic>
+    </p:spTree>
+    <p:extLst>
+      <p:ext uri="{BB962C8B-B14F-4D97-AF65-F5344CB8AC3E}">
+        <p14:creationId xmlns:p14="http://schemas.microsoft.com/office/powerpoint/2010/main" val="3769345782"/>
       </p:ext>
     </p:extLst>
   </p:cSld>
@@ -3905,40 +4560,40 @@
   <a:themeElements>
     <a:clrScheme name="Retrospect">
       <a:dk1>
-        <a:sysClr val="windowText" lastClr="000000"/>
+        <a:srgbClr val="000000"/>
       </a:dk1>
       <a:lt1>
         <a:sysClr val="window" lastClr="FFFFFF"/>
       </a:lt1>
       <a:dk2>
-        <a:srgbClr val="455F51"/>
+        <a:srgbClr val="637052"/>
       </a:dk2>
       <a:lt2>
-        <a:srgbClr val="E2DFCC"/>
+        <a:srgbClr val="CCDDEA"/>
       </a:lt2>
       <a:accent1>
-        <a:srgbClr val="99CB38"/>
+        <a:srgbClr val="E48312"/>
       </a:accent1>
       <a:accent2>
-        <a:srgbClr val="63A537"/>
+        <a:srgbClr val="BD582C"/>
       </a:accent2>
       <a:accent3>
-        <a:srgbClr val="37A76F"/>
+        <a:srgbClr val="865640"/>
       </a:accent3>
       <a:accent4>
-        <a:srgbClr val="44C1A3"/>
+        <a:srgbClr val="9B8357"/>
       </a:accent4>
       <a:accent5>
-        <a:srgbClr val="4EB3CF"/>
+        <a:srgbClr val="C2BC80"/>
       </a:accent5>
       <a:accent6>
-        <a:srgbClr val="51C3F9"/>
+        <a:srgbClr val="94A088"/>
       </a:accent6>
       <a:hlink>
-        <a:srgbClr val="6B9F25"/>
+        <a:srgbClr val="2998E3"/>
       </a:hlink>
       <a:folHlink>
-        <a:srgbClr val="B26B02"/>
+        <a:srgbClr val="8C8C8C"/>
       </a:folHlink>
     </a:clrScheme>
     <a:fontScheme name="Retrospect">
@@ -4177,7 +4832,268 @@
   <a:extraClrSchemeLst/>
   <a:extLst>
     <a:ext uri="{05A4C25C-085E-4340-85A3-A5531E510DB2}">
-      <thm15:themeFamily xmlns:thm15="http://schemas.microsoft.com/office/thememl/2012/main" name="Retrospect" id="{5F128B03-DCCA-4EEB-AB3B-CF2899314A46}" vid="{D26EA377-59BD-4C9C-9D94-EE8416EE4C79}"/>
+      <thm15:themeFamily xmlns:thm15="http://schemas.microsoft.com/office/thememl/2012/main" name="Retrospect" id="{5F128B03-DCCA-4EEB-AB3B-CF2899314A46}" vid="{3F1AAB62-24C6-49D2-8E01-B56FAC9A3DCD}"/>
+    </a:ext>
+  </a:extLst>
+</a:theme>
+</file>
+
+<file path=ppt/theme/theme2.xml><?xml version="1.0" encoding="utf-8"?>
+<a:theme xmlns:a="http://schemas.openxmlformats.org/drawingml/2006/main" name="Office Theme">
+  <a:themeElements>
+    <a:clrScheme name="Office">
+      <a:dk1>
+        <a:sysClr val="windowText" lastClr="000000"/>
+      </a:dk1>
+      <a:lt1>
+        <a:sysClr val="window" lastClr="FFFFFF"/>
+      </a:lt1>
+      <a:dk2>
+        <a:srgbClr val="44546A"/>
+      </a:dk2>
+      <a:lt2>
+        <a:srgbClr val="E7E6E6"/>
+      </a:lt2>
+      <a:accent1>
+        <a:srgbClr val="5B9BD5"/>
+      </a:accent1>
+      <a:accent2>
+        <a:srgbClr val="ED7D31"/>
+      </a:accent2>
+      <a:accent3>
+        <a:srgbClr val="A5A5A5"/>
+      </a:accent3>
+      <a:accent4>
+        <a:srgbClr val="FFC000"/>
+      </a:accent4>
+      <a:accent5>
+        <a:srgbClr val="4472C4"/>
+      </a:accent5>
+      <a:accent6>
+        <a:srgbClr val="70AD47"/>
+      </a:accent6>
+      <a:hlink>
+        <a:srgbClr val="0563C1"/>
+      </a:hlink>
+      <a:folHlink>
+        <a:srgbClr val="954F72"/>
+      </a:folHlink>
+    </a:clrScheme>
+    <a:fontScheme name="Office">
+      <a:majorFont>
+        <a:latin typeface="Calibri Light" panose="020F0302020204030204"/>
+        <a:ea typeface=""/>
+        <a:cs typeface=""/>
+        <a:font script="Jpan" typeface="ＭＳ Ｐゴシック"/>
+        <a:font script="Hang" typeface="맑은 고딕"/>
+        <a:font script="Hans" typeface="宋体"/>
+        <a:font script="Hant" typeface="新細明體"/>
+        <a:font script="Arab" typeface="Times New Roman"/>
+        <a:font script="Hebr" typeface="Times New Roman"/>
+        <a:font script="Thai" typeface="Angsana New"/>
+        <a:font script="Ethi" typeface="Nyala"/>
+        <a:font script="Beng" typeface="Vrinda"/>
+        <a:font script="Gujr" typeface="Shruti"/>
+        <a:font script="Khmr" typeface="MoolBoran"/>
+        <a:font script="Knda" typeface="Tunga"/>
+        <a:font script="Guru" typeface="Raavi"/>
+        <a:font script="Cans" typeface="Euphemia"/>
+        <a:font script="Cher" typeface="Plantagenet Cherokee"/>
+        <a:font script="Yiii" typeface="Microsoft Yi Baiti"/>
+        <a:font script="Tibt" typeface="Microsoft Himalaya"/>
+        <a:font script="Thaa" typeface="MV Boli"/>
+        <a:font script="Deva" typeface="Mangal"/>
+        <a:font script="Telu" typeface="Gautami"/>
+        <a:font script="Taml" typeface="Latha"/>
+        <a:font script="Syrc" typeface="Estrangelo Edessa"/>
+        <a:font script="Orya" typeface="Kalinga"/>
+        <a:font script="Mlym" typeface="Kartika"/>
+        <a:font script="Laoo" typeface="DokChampa"/>
+        <a:font script="Sinh" typeface="Iskoola Pota"/>
+        <a:font script="Mong" typeface="Mongolian Baiti"/>
+        <a:font script="Viet" typeface="Times New Roman"/>
+        <a:font script="Uigh" typeface="Microsoft Uighur"/>
+        <a:font script="Geor" typeface="Sylfaen"/>
+      </a:majorFont>
+      <a:minorFont>
+        <a:latin typeface="Calibri" panose="020F0502020204030204"/>
+        <a:ea typeface=""/>
+        <a:cs typeface=""/>
+        <a:font script="Jpan" typeface="ＭＳ Ｐゴシック"/>
+        <a:font script="Hang" typeface="맑은 고딕"/>
+        <a:font script="Hans" typeface="宋体"/>
+        <a:font script="Hant" typeface="新細明體"/>
+        <a:font script="Arab" typeface="Arial"/>
+        <a:font script="Hebr" typeface="Arial"/>
+        <a:font script="Thai" typeface="Cordia New"/>
+        <a:font script="Ethi" typeface="Nyala"/>
+        <a:font script="Beng" typeface="Vrinda"/>
+        <a:font script="Gujr" typeface="Shruti"/>
+        <a:font script="Khmr" typeface="DaunPenh"/>
+        <a:font script="Knda" typeface="Tunga"/>
+        <a:font script="Guru" typeface="Raavi"/>
+        <a:font script="Cans" typeface="Euphemia"/>
+        <a:font script="Cher" typeface="Plantagenet Cherokee"/>
+        <a:font script="Yiii" typeface="Microsoft Yi Baiti"/>
+        <a:font script="Tibt" typeface="Microsoft Himalaya"/>
+        <a:font script="Thaa" typeface="MV Boli"/>
+        <a:font script="Deva" typeface="Mangal"/>
+        <a:font script="Telu" typeface="Gautami"/>
+        <a:font script="Taml" typeface="Latha"/>
+        <a:font script="Syrc" typeface="Estrangelo Edessa"/>
+        <a:font script="Orya" typeface="Kalinga"/>
+        <a:font script="Mlym" typeface="Kartika"/>
+        <a:font script="Laoo" typeface="DokChampa"/>
+        <a:font script="Sinh" typeface="Iskoola Pota"/>
+        <a:font script="Mong" typeface="Mongolian Baiti"/>
+        <a:font script="Viet" typeface="Arial"/>
+        <a:font script="Uigh" typeface="Microsoft Uighur"/>
+        <a:font script="Geor" typeface="Sylfaen"/>
+      </a:minorFont>
+    </a:fontScheme>
+    <a:fmtScheme name="Office">
+      <a:fillStyleLst>
+        <a:solidFill>
+          <a:schemeClr val="phClr"/>
+        </a:solidFill>
+        <a:gradFill rotWithShape="1">
+          <a:gsLst>
+            <a:gs pos="0">
+              <a:schemeClr val="phClr">
+                <a:lumMod val="110000"/>
+                <a:satMod val="105000"/>
+                <a:tint val="67000"/>
+              </a:schemeClr>
+            </a:gs>
+            <a:gs pos="50000">
+              <a:schemeClr val="phClr">
+                <a:lumMod val="105000"/>
+                <a:satMod val="103000"/>
+                <a:tint val="73000"/>
+              </a:schemeClr>
+            </a:gs>
+            <a:gs pos="100000">
+              <a:schemeClr val="phClr">
+                <a:lumMod val="105000"/>
+                <a:satMod val="109000"/>
+                <a:tint val="81000"/>
+              </a:schemeClr>
+            </a:gs>
+          </a:gsLst>
+          <a:lin ang="5400000" scaled="0"/>
+        </a:gradFill>
+        <a:gradFill rotWithShape="1">
+          <a:gsLst>
+            <a:gs pos="0">
+              <a:schemeClr val="phClr">
+                <a:satMod val="103000"/>
+                <a:lumMod val="102000"/>
+                <a:tint val="94000"/>
+              </a:schemeClr>
+            </a:gs>
+            <a:gs pos="50000">
+              <a:schemeClr val="phClr">
+                <a:satMod val="110000"/>
+                <a:lumMod val="100000"/>
+                <a:shade val="100000"/>
+              </a:schemeClr>
+            </a:gs>
+            <a:gs pos="100000">
+              <a:schemeClr val="phClr">
+                <a:lumMod val="99000"/>
+                <a:satMod val="120000"/>
+                <a:shade val="78000"/>
+              </a:schemeClr>
+            </a:gs>
+          </a:gsLst>
+          <a:lin ang="5400000" scaled="0"/>
+        </a:gradFill>
+      </a:fillStyleLst>
+      <a:lnStyleLst>
+        <a:ln w="6350" cap="flat" cmpd="sng" algn="ctr">
+          <a:solidFill>
+            <a:schemeClr val="phClr"/>
+          </a:solidFill>
+          <a:prstDash val="solid"/>
+          <a:miter lim="800000"/>
+        </a:ln>
+        <a:ln w="12700" cap="flat" cmpd="sng" algn="ctr">
+          <a:solidFill>
+            <a:schemeClr val="phClr"/>
+          </a:solidFill>
+          <a:prstDash val="solid"/>
+          <a:miter lim="800000"/>
+        </a:ln>
+        <a:ln w="19050" cap="flat" cmpd="sng" algn="ctr">
+          <a:solidFill>
+            <a:schemeClr val="phClr"/>
+          </a:solidFill>
+          <a:prstDash val="solid"/>
+          <a:miter lim="800000"/>
+        </a:ln>
+      </a:lnStyleLst>
+      <a:effectStyleLst>
+        <a:effectStyle>
+          <a:effectLst/>
+        </a:effectStyle>
+        <a:effectStyle>
+          <a:effectLst/>
+        </a:effectStyle>
+        <a:effectStyle>
+          <a:effectLst>
+            <a:outerShdw blurRad="57150" dist="19050" dir="5400000" algn="ctr" rotWithShape="0">
+              <a:srgbClr val="000000">
+                <a:alpha val="63000"/>
+              </a:srgbClr>
+            </a:outerShdw>
+          </a:effectLst>
+        </a:effectStyle>
+      </a:effectStyleLst>
+      <a:bgFillStyleLst>
+        <a:solidFill>
+          <a:schemeClr val="phClr"/>
+        </a:solidFill>
+        <a:solidFill>
+          <a:schemeClr val="phClr">
+            <a:tint val="95000"/>
+            <a:satMod val="170000"/>
+          </a:schemeClr>
+        </a:solidFill>
+        <a:gradFill rotWithShape="1">
+          <a:gsLst>
+            <a:gs pos="0">
+              <a:schemeClr val="phClr">
+                <a:tint val="93000"/>
+                <a:satMod val="150000"/>
+                <a:shade val="98000"/>
+                <a:lumMod val="102000"/>
+              </a:schemeClr>
+            </a:gs>
+            <a:gs pos="50000">
+              <a:schemeClr val="phClr">
+                <a:tint val="98000"/>
+                <a:satMod val="130000"/>
+                <a:shade val="90000"/>
+                <a:lumMod val="103000"/>
+              </a:schemeClr>
+            </a:gs>
+            <a:gs pos="100000">
+              <a:schemeClr val="phClr">
+                <a:shade val="63000"/>
+                <a:satMod val="120000"/>
+              </a:schemeClr>
+            </a:gs>
+          </a:gsLst>
+          <a:lin ang="5400000" scaled="0"/>
+        </a:gradFill>
+      </a:bgFillStyleLst>
+    </a:fmtScheme>
+  </a:themeElements>
+  <a:objectDefaults/>
+  <a:extraClrSchemeLst/>
+  <a:extLst>
+    <a:ext uri="{05A4C25C-085E-4340-85A3-A5531E510DB2}">
+      <thm15:themeFamily xmlns:thm15="http://schemas.microsoft.com/office/thememl/2012/main" name="Office Theme" id="{62F939B6-93AF-4DB8-9C6B-D6C7DFDC589F}" vid="{4A3C46E8-61CC-4603-A589-7422A47A8E4A}"/>
     </a:ext>
   </a:extLst>
 </a:theme>
